--- a/09-Exam preparation.pptx
+++ b/09-Exam preparation.pptx
@@ -5,15 +5,14 @@
     <p:sldMasterId id="2147483648" r:id="rId1"/>
   </p:sldMasterIdLst>
   <p:notesMasterIdLst>
-    <p:notesMasterId r:id="rId8"/>
+    <p:notesMasterId r:id="rId7"/>
   </p:notesMasterIdLst>
   <p:sldIdLst>
     <p:sldId id="256" r:id="rId2"/>
-    <p:sldId id="330" r:id="rId3"/>
-    <p:sldId id="331" r:id="rId4"/>
-    <p:sldId id="332" r:id="rId5"/>
-    <p:sldId id="333" r:id="rId6"/>
-    <p:sldId id="268" r:id="rId7"/>
+    <p:sldId id="331" r:id="rId3"/>
+    <p:sldId id="332" r:id="rId4"/>
+    <p:sldId id="330" r:id="rId5"/>
+    <p:sldId id="268" r:id="rId6"/>
   </p:sldIdLst>
   <p:sldSz cx="9144000" cy="6858000" type="screen4x3"/>
   <p:notesSz cx="6858000" cy="9144000"/>
@@ -3608,6 +3607,16 @@
             <a:pPr marL="0" indent="0">
               <a:buNone/>
             </a:pPr>
+            <a:r>
+              <a:rPr lang="ru-RU" dirty="0">
+                <a:solidFill>
+                  <a:schemeClr val="bg1">
+                    <a:lumMod val="95000"/>
+                  </a:schemeClr>
+                </a:solidFill>
+              </a:rPr>
+              <a:t>Даден е масив с 10 елемента. Да се намери максималния измежду елементите с четен индекс и минималния измежду елементите с нечетен индекс. </a:t>
+            </a:r>
             <a:endParaRPr lang="bg-BG" dirty="0" smtClean="0">
               <a:solidFill>
                 <a:schemeClr val="bg1">
@@ -3621,7 +3630,7 @@
     </p:spTree>
     <p:extLst>
       <p:ext uri="{BB962C8B-B14F-4D97-AF65-F5344CB8AC3E}">
-        <p14:creationId xmlns:p14="http://schemas.microsoft.com/office/powerpoint/2010/main" val="1731977221"/>
+        <p14:creationId xmlns:p14="http://schemas.microsoft.com/office/powerpoint/2010/main" val="4061541359"/>
       </p:ext>
     </p:extLst>
   </p:cSld>
@@ -3717,11 +3726,73 @@
             <a:pPr marL="0" indent="0">
               <a:buNone/>
             </a:pPr>
+            <a:r>
+              <a:rPr lang="ru-RU" dirty="0">
+                <a:solidFill>
+                  <a:schemeClr val="bg1"/>
+                </a:solidFill>
+              </a:rPr>
+              <a:t>Да се въведат два масива от </a:t>
+            </a:r>
+            <a:r>
+              <a:rPr lang="en-US" dirty="0" smtClean="0">
+                <a:solidFill>
+                  <a:schemeClr val="bg1"/>
+                </a:solidFill>
+              </a:rPr>
+              <a:t>N </a:t>
+            </a:r>
+            <a:r>
+              <a:rPr lang="ru-RU" dirty="0" smtClean="0">
+                <a:solidFill>
+                  <a:schemeClr val="bg1"/>
+                </a:solidFill>
+              </a:rPr>
+              <a:t>елем</a:t>
+            </a:r>
+            <a:r>
+              <a:rPr lang="en-US" dirty="0" smtClean="0">
+                <a:solidFill>
+                  <a:schemeClr val="bg1"/>
+                </a:solidFill>
+              </a:rPr>
+              <a:t>e</a:t>
+            </a:r>
+            <a:r>
+              <a:rPr lang="ru-RU" dirty="0" smtClean="0">
+                <a:solidFill>
+                  <a:schemeClr val="bg1"/>
+                </a:solidFill>
+              </a:rPr>
+              <a:t>нта</a:t>
+            </a:r>
+            <a:r>
+              <a:rPr lang="en-US" dirty="0" smtClean="0">
+                <a:solidFill>
+                  <a:schemeClr val="bg1"/>
+                </a:solidFill>
+              </a:rPr>
+              <a:t> </a:t>
+            </a:r>
+            <a:r>
+              <a:rPr lang="ru-RU" dirty="0" smtClean="0">
+                <a:solidFill>
+                  <a:schemeClr val="bg1"/>
+                </a:solidFill>
+              </a:rPr>
+              <a:t>- </a:t>
+            </a:r>
+            <a:r>
+              <a:rPr lang="ru-RU" dirty="0">
+                <a:solidFill>
+                  <a:schemeClr val="bg1"/>
+                </a:solidFill>
+              </a:rPr>
+              <a:t>цели числа. Да се изведат всички елементи, които се срещат и в двата масива. </a:t>
+            </a:r>
             <a:endParaRPr lang="bg-BG" dirty="0" smtClean="0">
               <a:solidFill>
-                <a:schemeClr val="bg1">
-                  <a:lumMod val="95000"/>
-                </a:schemeClr>
+                <a:schemeClr val="bg1"/>
               </a:solidFill>
             </a:endParaRPr>
           </a:p>
@@ -3730,7 +3801,7 @@
     </p:spTree>
     <p:extLst>
       <p:ext uri="{BB962C8B-B14F-4D97-AF65-F5344CB8AC3E}">
-        <p14:creationId xmlns:p14="http://schemas.microsoft.com/office/powerpoint/2010/main" val="4061541359"/>
+        <p14:creationId xmlns:p14="http://schemas.microsoft.com/office/powerpoint/2010/main" val="4010849512"/>
       </p:ext>
     </p:extLst>
   </p:cSld>
@@ -3826,11 +3897,88 @@
             <a:pPr marL="0" indent="0">
               <a:buNone/>
             </a:pPr>
+            <a:r>
+              <a:rPr lang="ru-RU" dirty="0">
+                <a:solidFill>
+                  <a:schemeClr val="bg1"/>
+                </a:solidFill>
+              </a:rPr>
+              <a:t>Имате двумерен масив 6х5 от естествени числа от интервала [0..</a:t>
+            </a:r>
+            <a:r>
+              <a:rPr lang="ru-RU" dirty="0" smtClean="0">
+                <a:solidFill>
+                  <a:schemeClr val="bg1"/>
+                </a:solidFill>
+              </a:rPr>
+              <a:t>100</a:t>
+            </a:r>
+            <a:r>
+              <a:rPr lang="en-US" dirty="0" smtClean="0">
+                <a:solidFill>
+                  <a:schemeClr val="bg1"/>
+                </a:solidFill>
+              </a:rPr>
+              <a:t>]</a:t>
+            </a:r>
+            <a:r>
+              <a:rPr lang="ru-RU" dirty="0" smtClean="0">
+                <a:solidFill>
+                  <a:schemeClr val="bg1"/>
+                </a:solidFill>
+              </a:rPr>
+              <a:t>.</a:t>
+            </a:r>
+            <a:r>
+              <a:rPr lang="ru-RU" dirty="0">
+                <a:solidFill>
+                  <a:schemeClr val="bg1"/>
+                </a:solidFill>
+              </a:rPr>
+              <a:t> </a:t>
+            </a:r>
+            <a:r>
+              <a:rPr lang="ru-RU" dirty="0">
+                <a:solidFill>
+                  <a:schemeClr val="bg1"/>
+                </a:solidFill>
+              </a:rPr>
+              <a:t/>
+            </a:r>
+            <a:br>
+              <a:rPr lang="ru-RU" dirty="0">
+                <a:solidFill>
+                  <a:schemeClr val="bg1"/>
+                </a:solidFill>
+              </a:rPr>
+            </a:br>
+            <a:r>
+              <a:rPr lang="ru-RU" dirty="0">
+                <a:solidFill>
+                  <a:schemeClr val="bg1"/>
+                </a:solidFill>
+              </a:rPr>
+              <a:t>Да се състави </a:t>
+            </a:r>
+            <a:r>
+              <a:rPr lang="ru-RU" dirty="0" smtClean="0">
+                <a:solidFill>
+                  <a:schemeClr val="bg1"/>
+                </a:solidFill>
+              </a:rPr>
+              <a:t>програма, чрез </a:t>
+            </a:r>
+            <a:r>
+              <a:rPr lang="ru-RU" dirty="0">
+                <a:solidFill>
+                  <a:schemeClr val="bg1"/>
+                </a:solidFill>
+              </a:rPr>
+              <a:t>която се извеждат елементите от масива с най-малката и най-голямата стойност.</a:t>
+            </a:r>
             <a:endParaRPr lang="bg-BG" dirty="0" smtClean="0">
               <a:solidFill>
-                <a:schemeClr val="bg1">
-                  <a:lumMod val="95000"/>
-                </a:schemeClr>
+                <a:schemeClr val="bg1"/>
               </a:solidFill>
             </a:endParaRPr>
           </a:p>
@@ -3839,7 +3987,7 @@
     </p:spTree>
     <p:extLst>
       <p:ext uri="{BB962C8B-B14F-4D97-AF65-F5344CB8AC3E}">
-        <p14:creationId xmlns:p14="http://schemas.microsoft.com/office/powerpoint/2010/main" val="4010849512"/>
+        <p14:creationId xmlns:p14="http://schemas.microsoft.com/office/powerpoint/2010/main" val="1731977221"/>
       </p:ext>
     </p:extLst>
   </p:cSld>
@@ -3857,115 +4005,6 @@
 </file>
 
 <file path=ppt/slides/slide5.xml><?xml version="1.0" encoding="utf-8"?>
-<p:sld xmlns:a="http://schemas.openxmlformats.org/drawingml/2006/main" xmlns:r="http://schemas.openxmlformats.org/officeDocument/2006/relationships" xmlns:p="http://schemas.openxmlformats.org/presentationml/2006/main">
-  <p:cSld>
-    <p:spTree>
-      <p:nvGrpSpPr>
-        <p:cNvPr id="1" name=""/>
-        <p:cNvGrpSpPr/>
-        <p:nvPr/>
-      </p:nvGrpSpPr>
-      <p:grpSpPr>
-        <a:xfrm>
-          <a:off x="0" y="0"/>
-          <a:ext cx="0" cy="0"/>
-          <a:chOff x="0" y="0"/>
-          <a:chExt cx="0" cy="0"/>
-        </a:xfrm>
-      </p:grpSpPr>
-      <p:sp>
-        <p:nvSpPr>
-          <p:cNvPr id="2" name="Title 1"/>
-          <p:cNvSpPr>
-            <a:spLocks noGrp="1"/>
-          </p:cNvSpPr>
-          <p:nvPr>
-            <p:ph type="title"/>
-          </p:nvPr>
-        </p:nvSpPr>
-        <p:spPr>
-          <a:xfrm>
-            <a:off x="838200" y="685800"/>
-            <a:ext cx="8229600" cy="1143000"/>
-          </a:xfrm>
-        </p:spPr>
-        <p:txBody>
-          <a:bodyPr/>
-          <a:lstStyle/>
-          <a:p>
-            <a:pPr algn="l"/>
-            <a:r>
-              <a:rPr lang="bg-BG" dirty="0" smtClean="0">
-                <a:solidFill>
-                  <a:schemeClr val="accent6"/>
-                </a:solidFill>
-              </a:rPr>
-              <a:t>Задача</a:t>
-            </a:r>
-            <a:endParaRPr lang="bg-BG" dirty="0">
-              <a:solidFill>
-                <a:schemeClr val="accent6"/>
-              </a:solidFill>
-            </a:endParaRPr>
-          </a:p>
-        </p:txBody>
-      </p:sp>
-      <p:sp>
-        <p:nvSpPr>
-          <p:cNvPr id="3" name="Content Placeholder 2"/>
-          <p:cNvSpPr>
-            <a:spLocks noGrp="1"/>
-          </p:cNvSpPr>
-          <p:nvPr>
-            <p:ph idx="1"/>
-          </p:nvPr>
-        </p:nvSpPr>
-        <p:spPr>
-          <a:xfrm>
-            <a:off x="762000" y="1676400"/>
-            <a:ext cx="7620000" cy="4525963"/>
-          </a:xfrm>
-        </p:spPr>
-        <p:txBody>
-          <a:bodyPr>
-            <a:normAutofit/>
-          </a:bodyPr>
-          <a:lstStyle/>
-          <a:p>
-            <a:pPr marL="0" indent="0">
-              <a:buNone/>
-            </a:pPr>
-            <a:endParaRPr lang="bg-BG" dirty="0" smtClean="0">
-              <a:solidFill>
-                <a:schemeClr val="bg1">
-                  <a:lumMod val="95000"/>
-                </a:schemeClr>
-              </a:solidFill>
-            </a:endParaRPr>
-          </a:p>
-        </p:txBody>
-      </p:sp>
-    </p:spTree>
-    <p:extLst>
-      <p:ext uri="{BB962C8B-B14F-4D97-AF65-F5344CB8AC3E}">
-        <p14:creationId xmlns:p14="http://schemas.microsoft.com/office/powerpoint/2010/main" val="3303917156"/>
-      </p:ext>
-    </p:extLst>
-  </p:cSld>
-  <p:clrMapOvr>
-    <a:masterClrMapping/>
-  </p:clrMapOvr>
-  <p:timing>
-    <p:tnLst>
-      <p:par>
-        <p:cTn id="1" dur="indefinite" restart="never" nodeType="tmRoot"/>
-      </p:par>
-    </p:tnLst>
-  </p:timing>
-</p:sld>
-</file>
-
-<file path=ppt/slides/slide6.xml><?xml version="1.0" encoding="utf-8"?>
 <p:sld xmlns:a="http://schemas.openxmlformats.org/drawingml/2006/main" xmlns:r="http://schemas.openxmlformats.org/officeDocument/2006/relationships" xmlns:p="http://schemas.openxmlformats.org/presentationml/2006/main">
   <p:cSld>
     <p:spTree>

--- a/09-Exam preparation.pptx
+++ b/09-Exam preparation.pptx
@@ -3903,7 +3903,31 @@
                   <a:schemeClr val="bg1"/>
                 </a:solidFill>
               </a:rPr>
-              <a:t>Имате двумерен масив 6х5 от естествени числа от интервала [0..</a:t>
+              <a:t>Имате </a:t>
+            </a:r>
+            <a:r>
+              <a:rPr lang="ru-RU">
+                <a:solidFill>
+                  <a:schemeClr val="bg1"/>
+                </a:solidFill>
+              </a:rPr>
+              <a:t>двумерен </a:t>
+            </a:r>
+            <a:r>
+              <a:rPr lang="ru-RU" smtClean="0">
+                <a:solidFill>
+                  <a:schemeClr val="bg1"/>
+                </a:solidFill>
+              </a:rPr>
+              <a:t>масив </a:t>
+            </a:r>
+            <a:r>
+              <a:rPr lang="ru-RU" dirty="0">
+                <a:solidFill>
+                  <a:schemeClr val="bg1"/>
+                </a:solidFill>
+              </a:rPr>
+              <a:t>от естествени числа от интервала [0..</a:t>
             </a:r>
             <a:r>
               <a:rPr lang="ru-RU" dirty="0" smtClean="0">
@@ -3936,14 +3960,6 @@
                 </a:solidFill>
               </a:rPr>
               <a:t> </a:t>
-            </a:r>
-            <a:r>
-              <a:rPr lang="ru-RU" dirty="0">
-                <a:solidFill>
-                  <a:schemeClr val="bg1"/>
-                </a:solidFill>
-              </a:rPr>
-              <a:t/>
             </a:r>
             <a:br>
               <a:rPr lang="ru-RU" dirty="0">
